--- a/UML IoT paper.pptx
+++ b/UML IoT paper.pptx
@@ -7,6 +7,17 @@
   <p:sldIdLst>
     <p:sldId id="256" r:id="rId2"/>
     <p:sldId id="257" r:id="rId3"/>
+    <p:sldId id="258" r:id="rId4"/>
+    <p:sldId id="259" r:id="rId5"/>
+    <p:sldId id="262" r:id="rId6"/>
+    <p:sldId id="263" r:id="rId7"/>
+    <p:sldId id="264" r:id="rId8"/>
+    <p:sldId id="265" r:id="rId9"/>
+    <p:sldId id="260" r:id="rId10"/>
+    <p:sldId id="266" r:id="rId11"/>
+    <p:sldId id="268" r:id="rId12"/>
+    <p:sldId id="267" r:id="rId13"/>
+    <p:sldId id="261" r:id="rId14"/>
   </p:sldIdLst>
   <p:sldSz cx="12192000" cy="6858000"/>
   <p:notesSz cx="6858000" cy="9144000"/>
@@ -105,6 +116,11 @@
       </a:defRPr>
     </a:lvl9pPr>
   </p:defaultTextStyle>
+  <p:extLst>
+    <p:ext uri="{EFAFB233-063F-42B5-8137-9DF3F51BA10A}">
+      <p15:sldGuideLst xmlns:p15="http://schemas.microsoft.com/office/powerpoint/2012/main"/>
+    </p:ext>
+  </p:extLst>
 </p:presentation>
 </file>
 
@@ -257,7 +273,7 @@
           <a:p>
             <a:fld id="{CB4A44A2-CA2D-457F-A98A-762BF1171679}" type="datetimeFigureOut">
               <a:rPr lang="en-IE" smtClean="0"/>
-              <a:t>04/04/2019</a:t>
+              <a:t>05/04/2019</a:t>
             </a:fld>
             <a:endParaRPr lang="en-IE"/>
           </a:p>
@@ -457,7 +473,7 @@
           <a:p>
             <a:fld id="{CB4A44A2-CA2D-457F-A98A-762BF1171679}" type="datetimeFigureOut">
               <a:rPr lang="en-IE" smtClean="0"/>
-              <a:t>04/04/2019</a:t>
+              <a:t>05/04/2019</a:t>
             </a:fld>
             <a:endParaRPr lang="en-IE"/>
           </a:p>
@@ -667,7 +683,7 @@
           <a:p>
             <a:fld id="{CB4A44A2-CA2D-457F-A98A-762BF1171679}" type="datetimeFigureOut">
               <a:rPr lang="en-IE" smtClean="0"/>
-              <a:t>04/04/2019</a:t>
+              <a:t>05/04/2019</a:t>
             </a:fld>
             <a:endParaRPr lang="en-IE"/>
           </a:p>
@@ -867,7 +883,7 @@
           <a:p>
             <a:fld id="{CB4A44A2-CA2D-457F-A98A-762BF1171679}" type="datetimeFigureOut">
               <a:rPr lang="en-IE" smtClean="0"/>
-              <a:t>04/04/2019</a:t>
+              <a:t>05/04/2019</a:t>
             </a:fld>
             <a:endParaRPr lang="en-IE"/>
           </a:p>
@@ -1143,7 +1159,7 @@
           <a:p>
             <a:fld id="{CB4A44A2-CA2D-457F-A98A-762BF1171679}" type="datetimeFigureOut">
               <a:rPr lang="en-IE" smtClean="0"/>
-              <a:t>04/04/2019</a:t>
+              <a:t>05/04/2019</a:t>
             </a:fld>
             <a:endParaRPr lang="en-IE"/>
           </a:p>
@@ -1411,7 +1427,7 @@
           <a:p>
             <a:fld id="{CB4A44A2-CA2D-457F-A98A-762BF1171679}" type="datetimeFigureOut">
               <a:rPr lang="en-IE" smtClean="0"/>
-              <a:t>04/04/2019</a:t>
+              <a:t>05/04/2019</a:t>
             </a:fld>
             <a:endParaRPr lang="en-IE"/>
           </a:p>
@@ -1826,7 +1842,7 @@
           <a:p>
             <a:fld id="{CB4A44A2-CA2D-457F-A98A-762BF1171679}" type="datetimeFigureOut">
               <a:rPr lang="en-IE" smtClean="0"/>
-              <a:t>04/04/2019</a:t>
+              <a:t>05/04/2019</a:t>
             </a:fld>
             <a:endParaRPr lang="en-IE"/>
           </a:p>
@@ -1968,7 +1984,7 @@
           <a:p>
             <a:fld id="{CB4A44A2-CA2D-457F-A98A-762BF1171679}" type="datetimeFigureOut">
               <a:rPr lang="en-IE" smtClean="0"/>
-              <a:t>04/04/2019</a:t>
+              <a:t>05/04/2019</a:t>
             </a:fld>
             <a:endParaRPr lang="en-IE"/>
           </a:p>
@@ -2081,7 +2097,7 @@
           <a:p>
             <a:fld id="{CB4A44A2-CA2D-457F-A98A-762BF1171679}" type="datetimeFigureOut">
               <a:rPr lang="en-IE" smtClean="0"/>
-              <a:t>04/04/2019</a:t>
+              <a:t>05/04/2019</a:t>
             </a:fld>
             <a:endParaRPr lang="en-IE"/>
           </a:p>
@@ -2394,7 +2410,7 @@
           <a:p>
             <a:fld id="{CB4A44A2-CA2D-457F-A98A-762BF1171679}" type="datetimeFigureOut">
               <a:rPr lang="en-IE" smtClean="0"/>
-              <a:t>04/04/2019</a:t>
+              <a:t>05/04/2019</a:t>
             </a:fld>
             <a:endParaRPr lang="en-IE"/>
           </a:p>
@@ -2683,7 +2699,7 @@
           <a:p>
             <a:fld id="{CB4A44A2-CA2D-457F-A98A-762BF1171679}" type="datetimeFigureOut">
               <a:rPr lang="en-IE" smtClean="0"/>
-              <a:t>04/04/2019</a:t>
+              <a:t>05/04/2019</a:t>
             </a:fld>
             <a:endParaRPr lang="en-IE"/>
           </a:p>
@@ -2926,7 +2942,7 @@
           <a:p>
             <a:fld id="{CB4A44A2-CA2D-457F-A98A-762BF1171679}" type="datetimeFigureOut">
               <a:rPr lang="en-IE" smtClean="0"/>
-              <a:t>04/04/2019</a:t>
+              <a:t>05/04/2019</a:t>
             </a:fld>
             <a:endParaRPr lang="en-IE"/>
           </a:p>
@@ -5840,10 +5856,764 @@
           </a:p>
         </p:txBody>
       </p:sp>
+      <p:sp>
+        <p:nvSpPr>
+          <p:cNvPr id="59" name="Rectangle 58">
+            <a:extLst>
+              <a:ext uri="{FF2B5EF4-FFF2-40B4-BE49-F238E27FC236}">
+                <a16:creationId xmlns:a16="http://schemas.microsoft.com/office/drawing/2014/main" id="{606DDB0A-D097-409F-9368-F9AD37701BE0}"/>
+              </a:ext>
+            </a:extLst>
+          </p:cNvPr>
+          <p:cNvSpPr/>
+          <p:nvPr/>
+        </p:nvSpPr>
+        <p:spPr>
+          <a:xfrm>
+            <a:off x="3218334" y="8959"/>
+            <a:ext cx="2877651" cy="656960"/>
+          </a:xfrm>
+          <a:prstGeom prst="rect">
+            <a:avLst/>
+          </a:prstGeom>
+          <a:noFill/>
+          <a:ln w="25400">
+            <a:solidFill>
+              <a:schemeClr val="tx1"/>
+            </a:solidFill>
+            <a:prstDash val="sysDash"/>
+          </a:ln>
+        </p:spPr>
+        <p:style>
+          <a:lnRef idx="2">
+            <a:schemeClr val="accent1">
+              <a:shade val="50000"/>
+            </a:schemeClr>
+          </a:lnRef>
+          <a:fillRef idx="1">
+            <a:schemeClr val="accent1"/>
+          </a:fillRef>
+          <a:effectRef idx="0">
+            <a:schemeClr val="accent1"/>
+          </a:effectRef>
+          <a:fontRef idx="minor">
+            <a:schemeClr val="lt1"/>
+          </a:fontRef>
+        </p:style>
+        <p:txBody>
+          <a:bodyPr rtlCol="0" anchor="ctr"/>
+          <a:lstStyle/>
+          <a:p>
+            <a:pPr algn="ctr"/>
+            <a:endParaRPr lang="en-IE"/>
+          </a:p>
+        </p:txBody>
+      </p:sp>
     </p:spTree>
     <p:extLst>
       <p:ext uri="{BB962C8B-B14F-4D97-AF65-F5344CB8AC3E}">
         <p14:creationId xmlns:p14="http://schemas.microsoft.com/office/powerpoint/2010/main" val="386962862"/>
+      </p:ext>
+    </p:extLst>
+  </p:cSld>
+  <p:clrMapOvr>
+    <a:masterClrMapping/>
+  </p:clrMapOvr>
+</p:sld>
+</file>
+
+<file path=ppt/slides/slide10.xml><?xml version="1.0" encoding="utf-8"?>
+<p:sld xmlns:a="http://schemas.openxmlformats.org/drawingml/2006/main" xmlns:r="http://schemas.openxmlformats.org/officeDocument/2006/relationships" xmlns:p="http://schemas.openxmlformats.org/presentationml/2006/main">
+  <p:cSld>
+    <p:spTree>
+      <p:nvGrpSpPr>
+        <p:cNvPr id="1" name=""/>
+        <p:cNvGrpSpPr/>
+        <p:nvPr/>
+      </p:nvGrpSpPr>
+      <p:grpSpPr>
+        <a:xfrm>
+          <a:off x="0" y="0"/>
+          <a:ext cx="0" cy="0"/>
+          <a:chOff x="0" y="0"/>
+          <a:chExt cx="0" cy="0"/>
+        </a:xfrm>
+      </p:grpSpPr>
+      <p:sp>
+        <p:nvSpPr>
+          <p:cNvPr id="2" name="Title 1">
+            <a:extLst>
+              <a:ext uri="{FF2B5EF4-FFF2-40B4-BE49-F238E27FC236}">
+                <a16:creationId xmlns:a16="http://schemas.microsoft.com/office/drawing/2014/main" id="{86EC1FDB-9D20-4028-A78C-75021B59ACA4}"/>
+              </a:ext>
+            </a:extLst>
+          </p:cNvPr>
+          <p:cNvSpPr>
+            <a:spLocks noGrp="1"/>
+          </p:cNvSpPr>
+          <p:nvPr>
+            <p:ph type="title"/>
+          </p:nvPr>
+        </p:nvSpPr>
+        <p:spPr>
+          <a:xfrm>
+            <a:off x="838200" y="365125"/>
+            <a:ext cx="4593609" cy="1325563"/>
+          </a:xfrm>
+        </p:spPr>
+        <p:txBody>
+          <a:bodyPr/>
+          <a:lstStyle/>
+          <a:p>
+            <a:r>
+              <a:rPr lang="en-US" dirty="0"/>
+              <a:t>Problem statement</a:t>
+            </a:r>
+            <a:endParaRPr lang="en-IE" dirty="0"/>
+          </a:p>
+        </p:txBody>
+      </p:sp>
+      <p:sp>
+        <p:nvSpPr>
+          <p:cNvPr id="3" name="Content Placeholder 2">
+            <a:extLst>
+              <a:ext uri="{FF2B5EF4-FFF2-40B4-BE49-F238E27FC236}">
+                <a16:creationId xmlns:a16="http://schemas.microsoft.com/office/drawing/2014/main" id="{9E907A30-8DA5-40A2-A522-AA73117BA5A4}"/>
+              </a:ext>
+            </a:extLst>
+          </p:cNvPr>
+          <p:cNvSpPr>
+            <a:spLocks noGrp="1"/>
+          </p:cNvSpPr>
+          <p:nvPr>
+            <p:ph idx="1"/>
+          </p:nvPr>
+        </p:nvSpPr>
+        <p:spPr>
+          <a:xfrm>
+            <a:off x="838200" y="1825625"/>
+            <a:ext cx="3626224" cy="4351338"/>
+          </a:xfrm>
+        </p:spPr>
+        <p:txBody>
+          <a:bodyPr/>
+          <a:lstStyle/>
+          <a:p>
+            <a:r>
+              <a:rPr lang="en-US" dirty="0"/>
+              <a:t>To collect data from a subset of IoT devices and treat traffic from other devices as interference, that is, operation control for devices of interest.</a:t>
+            </a:r>
+            <a:endParaRPr lang="en-IE" dirty="0"/>
+          </a:p>
+        </p:txBody>
+      </p:sp>
+      <p:sp>
+        <p:nvSpPr>
+          <p:cNvPr id="6" name="Title 1">
+            <a:extLst>
+              <a:ext uri="{FF2B5EF4-FFF2-40B4-BE49-F238E27FC236}">
+                <a16:creationId xmlns:a16="http://schemas.microsoft.com/office/drawing/2014/main" id="{2155175E-CD19-486F-8708-CF3837A03480}"/>
+              </a:ext>
+            </a:extLst>
+          </p:cNvPr>
+          <p:cNvSpPr txBox="1">
+            <a:spLocks/>
+          </p:cNvSpPr>
+          <p:nvPr/>
+        </p:nvSpPr>
+        <p:spPr>
+          <a:xfrm>
+            <a:off x="6337144" y="356157"/>
+            <a:ext cx="4593609" cy="1325563"/>
+          </a:xfrm>
+          <a:prstGeom prst="rect">
+            <a:avLst/>
+          </a:prstGeom>
+        </p:spPr>
+        <p:txBody>
+          <a:bodyPr vert="horz" lIns="91440" tIns="45720" rIns="91440" bIns="45720" rtlCol="0" anchor="ctr">
+            <a:normAutofit/>
+          </a:bodyPr>
+          <a:lstStyle>
+            <a:lvl1pPr algn="l" defTabSz="914400" rtl="0" eaLnBrk="1" latinLnBrk="0" hangingPunct="1">
+              <a:lnSpc>
+                <a:spcPct val="90000"/>
+              </a:lnSpc>
+              <a:spcBef>
+                <a:spcPct val="0"/>
+              </a:spcBef>
+              <a:buNone/>
+              <a:defRPr sz="4400" kern="1200">
+                <a:solidFill>
+                  <a:schemeClr val="tx1"/>
+                </a:solidFill>
+                <a:latin typeface="+mj-lt"/>
+                <a:ea typeface="+mj-ea"/>
+                <a:cs typeface="+mj-cs"/>
+              </a:defRPr>
+            </a:lvl1pPr>
+          </a:lstStyle>
+          <a:p>
+            <a:r>
+              <a:rPr lang="en-US" dirty="0"/>
+              <a:t>Aim</a:t>
+            </a:r>
+            <a:endParaRPr lang="en-IE" dirty="0"/>
+          </a:p>
+        </p:txBody>
+      </p:sp>
+      <p:sp>
+        <p:nvSpPr>
+          <p:cNvPr id="7" name="Content Placeholder 2">
+            <a:extLst>
+              <a:ext uri="{FF2B5EF4-FFF2-40B4-BE49-F238E27FC236}">
+                <a16:creationId xmlns:a16="http://schemas.microsoft.com/office/drawing/2014/main" id="{EE89EC7E-EFB6-4698-9825-198A9E07E2B7}"/>
+              </a:ext>
+            </a:extLst>
+          </p:cNvPr>
+          <p:cNvSpPr txBox="1">
+            <a:spLocks/>
+          </p:cNvSpPr>
+          <p:nvPr/>
+        </p:nvSpPr>
+        <p:spPr>
+          <a:xfrm>
+            <a:off x="6337144" y="1644534"/>
+            <a:ext cx="4323684" cy="4351338"/>
+          </a:xfrm>
+          <a:prstGeom prst="rect">
+            <a:avLst/>
+          </a:prstGeom>
+        </p:spPr>
+        <p:txBody>
+          <a:bodyPr vert="horz" lIns="91440" tIns="45720" rIns="91440" bIns="45720" rtlCol="0">
+            <a:normAutofit/>
+          </a:bodyPr>
+          <a:lstStyle>
+            <a:lvl1pPr marL="228600" indent="-228600" algn="l" defTabSz="914400" rtl="0" eaLnBrk="1" latinLnBrk="0" hangingPunct="1">
+              <a:lnSpc>
+                <a:spcPct val="90000"/>
+              </a:lnSpc>
+              <a:spcBef>
+                <a:spcPts val="1000"/>
+              </a:spcBef>
+              <a:buFont typeface="Arial" panose="020B0604020202020204" pitchFamily="34" charset="0"/>
+              <a:buChar char="•"/>
+              <a:defRPr sz="2800" kern="1200">
+                <a:solidFill>
+                  <a:schemeClr val="tx1"/>
+                </a:solidFill>
+                <a:latin typeface="+mn-lt"/>
+                <a:ea typeface="+mn-ea"/>
+                <a:cs typeface="+mn-cs"/>
+              </a:defRPr>
+            </a:lvl1pPr>
+            <a:lvl2pPr marL="685800" indent="-228600" algn="l" defTabSz="914400" rtl="0" eaLnBrk="1" latinLnBrk="0" hangingPunct="1">
+              <a:lnSpc>
+                <a:spcPct val="90000"/>
+              </a:lnSpc>
+              <a:spcBef>
+                <a:spcPts val="500"/>
+              </a:spcBef>
+              <a:buFont typeface="Arial" panose="020B0604020202020204" pitchFamily="34" charset="0"/>
+              <a:buChar char="•"/>
+              <a:defRPr sz="2400" kern="1200">
+                <a:solidFill>
+                  <a:schemeClr val="tx1"/>
+                </a:solidFill>
+                <a:latin typeface="+mn-lt"/>
+                <a:ea typeface="+mn-ea"/>
+                <a:cs typeface="+mn-cs"/>
+              </a:defRPr>
+            </a:lvl2pPr>
+            <a:lvl3pPr marL="1143000" indent="-228600" algn="l" defTabSz="914400" rtl="0" eaLnBrk="1" latinLnBrk="0" hangingPunct="1">
+              <a:lnSpc>
+                <a:spcPct val="90000"/>
+              </a:lnSpc>
+              <a:spcBef>
+                <a:spcPts val="500"/>
+              </a:spcBef>
+              <a:buFont typeface="Arial" panose="020B0604020202020204" pitchFamily="34" charset="0"/>
+              <a:buChar char="•"/>
+              <a:defRPr sz="2000" kern="1200">
+                <a:solidFill>
+                  <a:schemeClr val="tx1"/>
+                </a:solidFill>
+                <a:latin typeface="+mn-lt"/>
+                <a:ea typeface="+mn-ea"/>
+                <a:cs typeface="+mn-cs"/>
+              </a:defRPr>
+            </a:lvl3pPr>
+            <a:lvl4pPr marL="1600200" indent="-228600" algn="l" defTabSz="914400" rtl="0" eaLnBrk="1" latinLnBrk="0" hangingPunct="1">
+              <a:lnSpc>
+                <a:spcPct val="90000"/>
+              </a:lnSpc>
+              <a:spcBef>
+                <a:spcPts val="500"/>
+              </a:spcBef>
+              <a:buFont typeface="Arial" panose="020B0604020202020204" pitchFamily="34" charset="0"/>
+              <a:buChar char="•"/>
+              <a:defRPr sz="1800" kern="1200">
+                <a:solidFill>
+                  <a:schemeClr val="tx1"/>
+                </a:solidFill>
+                <a:latin typeface="+mn-lt"/>
+                <a:ea typeface="+mn-ea"/>
+                <a:cs typeface="+mn-cs"/>
+              </a:defRPr>
+            </a:lvl4pPr>
+            <a:lvl5pPr marL="2057400" indent="-228600" algn="l" defTabSz="914400" rtl="0" eaLnBrk="1" latinLnBrk="0" hangingPunct="1">
+              <a:lnSpc>
+                <a:spcPct val="90000"/>
+              </a:lnSpc>
+              <a:spcBef>
+                <a:spcPts val="500"/>
+              </a:spcBef>
+              <a:buFont typeface="Arial" panose="020B0604020202020204" pitchFamily="34" charset="0"/>
+              <a:buChar char="•"/>
+              <a:defRPr sz="1800" kern="1200">
+                <a:solidFill>
+                  <a:schemeClr val="tx1"/>
+                </a:solidFill>
+                <a:latin typeface="+mn-lt"/>
+                <a:ea typeface="+mn-ea"/>
+                <a:cs typeface="+mn-cs"/>
+              </a:defRPr>
+            </a:lvl5pPr>
+            <a:lvl6pPr marL="2514600" indent="-228600" algn="l" defTabSz="914400" rtl="0" eaLnBrk="1" latinLnBrk="0" hangingPunct="1">
+              <a:lnSpc>
+                <a:spcPct val="90000"/>
+              </a:lnSpc>
+              <a:spcBef>
+                <a:spcPts val="500"/>
+              </a:spcBef>
+              <a:buFont typeface="Arial" panose="020B0604020202020204" pitchFamily="34" charset="0"/>
+              <a:buChar char="•"/>
+              <a:defRPr sz="1800" kern="1200">
+                <a:solidFill>
+                  <a:schemeClr val="tx1"/>
+                </a:solidFill>
+                <a:latin typeface="+mn-lt"/>
+                <a:ea typeface="+mn-ea"/>
+                <a:cs typeface="+mn-cs"/>
+              </a:defRPr>
+            </a:lvl6pPr>
+            <a:lvl7pPr marL="2971800" indent="-228600" algn="l" defTabSz="914400" rtl="0" eaLnBrk="1" latinLnBrk="0" hangingPunct="1">
+              <a:lnSpc>
+                <a:spcPct val="90000"/>
+              </a:lnSpc>
+              <a:spcBef>
+                <a:spcPts val="500"/>
+              </a:spcBef>
+              <a:buFont typeface="Arial" panose="020B0604020202020204" pitchFamily="34" charset="0"/>
+              <a:buChar char="•"/>
+              <a:defRPr sz="1800" kern="1200">
+                <a:solidFill>
+                  <a:schemeClr val="tx1"/>
+                </a:solidFill>
+                <a:latin typeface="+mn-lt"/>
+                <a:ea typeface="+mn-ea"/>
+                <a:cs typeface="+mn-cs"/>
+              </a:defRPr>
+            </a:lvl7pPr>
+            <a:lvl8pPr marL="3429000" indent="-228600" algn="l" defTabSz="914400" rtl="0" eaLnBrk="1" latinLnBrk="0" hangingPunct="1">
+              <a:lnSpc>
+                <a:spcPct val="90000"/>
+              </a:lnSpc>
+              <a:spcBef>
+                <a:spcPts val="500"/>
+              </a:spcBef>
+              <a:buFont typeface="Arial" panose="020B0604020202020204" pitchFamily="34" charset="0"/>
+              <a:buChar char="•"/>
+              <a:defRPr sz="1800" kern="1200">
+                <a:solidFill>
+                  <a:schemeClr val="tx1"/>
+                </a:solidFill>
+                <a:latin typeface="+mn-lt"/>
+                <a:ea typeface="+mn-ea"/>
+                <a:cs typeface="+mn-cs"/>
+              </a:defRPr>
+            </a:lvl8pPr>
+            <a:lvl9pPr marL="3886200" indent="-228600" algn="l" defTabSz="914400" rtl="0" eaLnBrk="1" latinLnBrk="0" hangingPunct="1">
+              <a:lnSpc>
+                <a:spcPct val="90000"/>
+              </a:lnSpc>
+              <a:spcBef>
+                <a:spcPts val="500"/>
+              </a:spcBef>
+              <a:buFont typeface="Arial" panose="020B0604020202020204" pitchFamily="34" charset="0"/>
+              <a:buChar char="•"/>
+              <a:defRPr sz="1800" kern="1200">
+                <a:solidFill>
+                  <a:schemeClr val="tx1"/>
+                </a:solidFill>
+                <a:latin typeface="+mn-lt"/>
+                <a:ea typeface="+mn-ea"/>
+                <a:cs typeface="+mn-cs"/>
+              </a:defRPr>
+            </a:lvl9pPr>
+          </a:lstStyle>
+          <a:p>
+            <a:r>
+              <a:rPr lang="en-US" dirty="0"/>
+              <a:t>The aim of the paper was to present a learning solution to adapt communication parameters of devices to the environment for maximizing energy efficiency and reliability in data </a:t>
+            </a:r>
+            <a:r>
+              <a:rPr lang="en-IE" dirty="0"/>
+              <a:t>transmissions</a:t>
+            </a:r>
+            <a:r>
+              <a:rPr lang="en-US" dirty="0"/>
+              <a:t>.</a:t>
+            </a:r>
+            <a:endParaRPr lang="en-IE" dirty="0"/>
+          </a:p>
+        </p:txBody>
+      </p:sp>
+    </p:spTree>
+    <p:extLst>
+      <p:ext uri="{BB962C8B-B14F-4D97-AF65-F5344CB8AC3E}">
+        <p14:creationId xmlns:p14="http://schemas.microsoft.com/office/powerpoint/2010/main" val="4257745370"/>
+      </p:ext>
+    </p:extLst>
+  </p:cSld>
+  <p:clrMapOvr>
+    <a:masterClrMapping/>
+  </p:clrMapOvr>
+</p:sld>
+</file>
+
+<file path=ppt/slides/slide11.xml><?xml version="1.0" encoding="utf-8"?>
+<p:sld xmlns:a="http://schemas.openxmlformats.org/drawingml/2006/main" xmlns:r="http://schemas.openxmlformats.org/officeDocument/2006/relationships" xmlns:p="http://schemas.openxmlformats.org/presentationml/2006/main">
+  <p:cSld>
+    <p:spTree>
+      <p:nvGrpSpPr>
+        <p:cNvPr id="1" name=""/>
+        <p:cNvGrpSpPr/>
+        <p:nvPr/>
+      </p:nvGrpSpPr>
+      <p:grpSpPr>
+        <a:xfrm>
+          <a:off x="0" y="0"/>
+          <a:ext cx="0" cy="0"/>
+          <a:chOff x="0" y="0"/>
+          <a:chExt cx="0" cy="0"/>
+        </a:xfrm>
+      </p:grpSpPr>
+      <p:pic>
+        <p:nvPicPr>
+          <p:cNvPr id="4" name="Picture 3">
+            <a:extLst>
+              <a:ext uri="{FF2B5EF4-FFF2-40B4-BE49-F238E27FC236}">
+                <a16:creationId xmlns:a16="http://schemas.microsoft.com/office/drawing/2014/main" id="{704F6CAD-F2B0-432D-80F4-316154372F97}"/>
+              </a:ext>
+            </a:extLst>
+          </p:cNvPr>
+          <p:cNvPicPr>
+            <a:picLocks noChangeAspect="1"/>
+          </p:cNvPicPr>
+          <p:nvPr/>
+        </p:nvPicPr>
+        <p:blipFill>
+          <a:blip r:embed="rId2"/>
+          <a:stretch>
+            <a:fillRect/>
+          </a:stretch>
+        </p:blipFill>
+        <p:spPr>
+          <a:xfrm>
+            <a:off x="6545536" y="0"/>
+            <a:ext cx="5844798" cy="6858000"/>
+          </a:xfrm>
+          <a:prstGeom prst="rect">
+            <a:avLst/>
+          </a:prstGeom>
+        </p:spPr>
+      </p:pic>
+      <p:pic>
+        <p:nvPicPr>
+          <p:cNvPr id="5" name="Picture 4">
+            <a:extLst>
+              <a:ext uri="{FF2B5EF4-FFF2-40B4-BE49-F238E27FC236}">
+                <a16:creationId xmlns:a16="http://schemas.microsoft.com/office/drawing/2014/main" id="{AE3F312E-E299-4AB9-89CA-ACAC33DE818A}"/>
+              </a:ext>
+            </a:extLst>
+          </p:cNvPr>
+          <p:cNvPicPr>
+            <a:picLocks noChangeAspect="1"/>
+          </p:cNvPicPr>
+          <p:nvPr/>
+        </p:nvPicPr>
+        <p:blipFill>
+          <a:blip r:embed="rId3"/>
+          <a:stretch>
+            <a:fillRect/>
+          </a:stretch>
+        </p:blipFill>
+        <p:spPr>
+          <a:xfrm>
+            <a:off x="370101" y="2301291"/>
+            <a:ext cx="5972401" cy="4556709"/>
+          </a:xfrm>
+          <a:prstGeom prst="rect">
+            <a:avLst/>
+          </a:prstGeom>
+        </p:spPr>
+      </p:pic>
+      <p:sp>
+        <p:nvSpPr>
+          <p:cNvPr id="6" name="Title 1">
+            <a:extLst>
+              <a:ext uri="{FF2B5EF4-FFF2-40B4-BE49-F238E27FC236}">
+                <a16:creationId xmlns:a16="http://schemas.microsoft.com/office/drawing/2014/main" id="{9E80A30D-0078-4396-A9BA-BFB6C8A95C13}"/>
+              </a:ext>
+            </a:extLst>
+          </p:cNvPr>
+          <p:cNvSpPr txBox="1">
+            <a:spLocks/>
+          </p:cNvSpPr>
+          <p:nvPr/>
+        </p:nvSpPr>
+        <p:spPr>
+          <a:xfrm>
+            <a:off x="1431669" y="356157"/>
+            <a:ext cx="4593609" cy="1325563"/>
+          </a:xfrm>
+          <a:prstGeom prst="rect">
+            <a:avLst/>
+          </a:prstGeom>
+        </p:spPr>
+        <p:txBody>
+          <a:bodyPr vert="horz" lIns="91440" tIns="45720" rIns="91440" bIns="45720" rtlCol="0" anchor="ctr">
+            <a:normAutofit/>
+          </a:bodyPr>
+          <a:lstStyle>
+            <a:lvl1pPr algn="l" defTabSz="914400" rtl="0" eaLnBrk="1" latinLnBrk="0" hangingPunct="1">
+              <a:lnSpc>
+                <a:spcPct val="90000"/>
+              </a:lnSpc>
+              <a:spcBef>
+                <a:spcPct val="0"/>
+              </a:spcBef>
+              <a:buNone/>
+              <a:defRPr sz="4400" kern="1200">
+                <a:solidFill>
+                  <a:schemeClr val="tx1"/>
+                </a:solidFill>
+                <a:latin typeface="+mj-lt"/>
+                <a:ea typeface="+mj-ea"/>
+                <a:cs typeface="+mj-cs"/>
+              </a:defRPr>
+            </a:lvl1pPr>
+          </a:lstStyle>
+          <a:p>
+            <a:r>
+              <a:rPr lang="en-US" dirty="0"/>
+              <a:t>Results</a:t>
+            </a:r>
+            <a:endParaRPr lang="en-IE" dirty="0"/>
+          </a:p>
+        </p:txBody>
+      </p:sp>
+    </p:spTree>
+    <p:extLst>
+      <p:ext uri="{BB962C8B-B14F-4D97-AF65-F5344CB8AC3E}">
+        <p14:creationId xmlns:p14="http://schemas.microsoft.com/office/powerpoint/2010/main" val="1576610113"/>
+      </p:ext>
+    </p:extLst>
+  </p:cSld>
+  <p:clrMapOvr>
+    <a:masterClrMapping/>
+  </p:clrMapOvr>
+</p:sld>
+</file>
+
+<file path=ppt/slides/slide12.xml><?xml version="1.0" encoding="utf-8"?>
+<p:sld xmlns:a="http://schemas.openxmlformats.org/drawingml/2006/main" xmlns:r="http://schemas.openxmlformats.org/officeDocument/2006/relationships" xmlns:p="http://schemas.openxmlformats.org/presentationml/2006/main">
+  <p:cSld>
+    <p:spTree>
+      <p:nvGrpSpPr>
+        <p:cNvPr id="1" name=""/>
+        <p:cNvGrpSpPr/>
+        <p:nvPr/>
+      </p:nvGrpSpPr>
+      <p:grpSpPr>
+        <a:xfrm>
+          <a:off x="0" y="0"/>
+          <a:ext cx="0" cy="0"/>
+          <a:chOff x="0" y="0"/>
+          <a:chExt cx="0" cy="0"/>
+        </a:xfrm>
+      </p:grpSpPr>
+      <p:sp>
+        <p:nvSpPr>
+          <p:cNvPr id="2" name="Title 1">
+            <a:extLst>
+              <a:ext uri="{FF2B5EF4-FFF2-40B4-BE49-F238E27FC236}">
+                <a16:creationId xmlns:a16="http://schemas.microsoft.com/office/drawing/2014/main" id="{7E5FD370-4D51-4432-B438-29DEDF398DB5}"/>
+              </a:ext>
+            </a:extLst>
+          </p:cNvPr>
+          <p:cNvSpPr>
+            <a:spLocks noGrp="1"/>
+          </p:cNvSpPr>
+          <p:nvPr>
+            <p:ph type="title"/>
+          </p:nvPr>
+        </p:nvSpPr>
+        <p:spPr/>
+        <p:txBody>
+          <a:bodyPr/>
+          <a:lstStyle/>
+          <a:p>
+            <a:endParaRPr lang="en-IE"/>
+          </a:p>
+        </p:txBody>
+      </p:sp>
+      <p:pic>
+        <p:nvPicPr>
+          <p:cNvPr id="4" name="Picture 3">
+            <a:extLst>
+              <a:ext uri="{FF2B5EF4-FFF2-40B4-BE49-F238E27FC236}">
+                <a16:creationId xmlns:a16="http://schemas.microsoft.com/office/drawing/2014/main" id="{24961BB0-1C10-400A-AD53-116806A81EFB}"/>
+              </a:ext>
+            </a:extLst>
+          </p:cNvPr>
+          <p:cNvPicPr>
+            <a:picLocks noChangeAspect="1"/>
+          </p:cNvPicPr>
+          <p:nvPr/>
+        </p:nvPicPr>
+        <p:blipFill>
+          <a:blip r:embed="rId2"/>
+          <a:stretch>
+            <a:fillRect/>
+          </a:stretch>
+        </p:blipFill>
+        <p:spPr>
+          <a:xfrm>
+            <a:off x="-265767" y="0"/>
+            <a:ext cx="6172403" cy="6858000"/>
+          </a:xfrm>
+          <a:prstGeom prst="rect">
+            <a:avLst/>
+          </a:prstGeom>
+        </p:spPr>
+      </p:pic>
+      <p:pic>
+        <p:nvPicPr>
+          <p:cNvPr id="5" name="Picture 4">
+            <a:extLst>
+              <a:ext uri="{FF2B5EF4-FFF2-40B4-BE49-F238E27FC236}">
+                <a16:creationId xmlns:a16="http://schemas.microsoft.com/office/drawing/2014/main" id="{731965EC-11BC-481C-ADED-A2ECB5AD39F4}"/>
+              </a:ext>
+            </a:extLst>
+          </p:cNvPr>
+          <p:cNvPicPr>
+            <a:picLocks noChangeAspect="1"/>
+          </p:cNvPicPr>
+          <p:nvPr/>
+        </p:nvPicPr>
+        <p:blipFill>
+          <a:blip r:embed="rId3"/>
+          <a:stretch>
+            <a:fillRect/>
+          </a:stretch>
+        </p:blipFill>
+        <p:spPr>
+          <a:xfrm>
+            <a:off x="6511404" y="0"/>
+            <a:ext cx="5447164" cy="6858000"/>
+          </a:xfrm>
+          <a:prstGeom prst="rect">
+            <a:avLst/>
+          </a:prstGeom>
+        </p:spPr>
+      </p:pic>
+    </p:spTree>
+    <p:extLst>
+      <p:ext uri="{BB962C8B-B14F-4D97-AF65-F5344CB8AC3E}">
+        <p14:creationId xmlns:p14="http://schemas.microsoft.com/office/powerpoint/2010/main" val="3533801678"/>
+      </p:ext>
+    </p:extLst>
+  </p:cSld>
+  <p:clrMapOvr>
+    <a:masterClrMapping/>
+  </p:clrMapOvr>
+</p:sld>
+</file>
+
+<file path=ppt/slides/slide13.xml><?xml version="1.0" encoding="utf-8"?>
+<p:sld xmlns:a="http://schemas.openxmlformats.org/drawingml/2006/main" xmlns:r="http://schemas.openxmlformats.org/officeDocument/2006/relationships" xmlns:p="http://schemas.openxmlformats.org/presentationml/2006/main">
+  <p:cSld>
+    <p:spTree>
+      <p:nvGrpSpPr>
+        <p:cNvPr id="1" name=""/>
+        <p:cNvGrpSpPr/>
+        <p:nvPr/>
+      </p:nvGrpSpPr>
+      <p:grpSpPr>
+        <a:xfrm>
+          <a:off x="0" y="0"/>
+          <a:ext cx="0" cy="0"/>
+          <a:chOff x="0" y="0"/>
+          <a:chExt cx="0" cy="0"/>
+        </a:xfrm>
+      </p:grpSpPr>
+      <p:sp>
+        <p:nvSpPr>
+          <p:cNvPr id="2" name="Title 1">
+            <a:extLst>
+              <a:ext uri="{FF2B5EF4-FFF2-40B4-BE49-F238E27FC236}">
+                <a16:creationId xmlns:a16="http://schemas.microsoft.com/office/drawing/2014/main" id="{B506C412-433E-4A7F-9B27-E52B0EC0FAEA}"/>
+              </a:ext>
+            </a:extLst>
+          </p:cNvPr>
+          <p:cNvSpPr>
+            <a:spLocks noGrp="1"/>
+          </p:cNvSpPr>
+          <p:nvPr>
+            <p:ph type="title"/>
+          </p:nvPr>
+        </p:nvSpPr>
+        <p:spPr/>
+        <p:txBody>
+          <a:bodyPr/>
+          <a:lstStyle/>
+          <a:p>
+            <a:endParaRPr lang="en-IE"/>
+          </a:p>
+        </p:txBody>
+      </p:sp>
+      <p:sp>
+        <p:nvSpPr>
+          <p:cNvPr id="3" name="Content Placeholder 2">
+            <a:extLst>
+              <a:ext uri="{FF2B5EF4-FFF2-40B4-BE49-F238E27FC236}">
+                <a16:creationId xmlns:a16="http://schemas.microsoft.com/office/drawing/2014/main" id="{FF3865A1-9D82-475E-8F61-A01E56C9F1D7}"/>
+              </a:ext>
+            </a:extLst>
+          </p:cNvPr>
+          <p:cNvSpPr>
+            <a:spLocks noGrp="1"/>
+          </p:cNvSpPr>
+          <p:nvPr>
+            <p:ph idx="1"/>
+          </p:nvPr>
+        </p:nvSpPr>
+        <p:spPr/>
+        <p:txBody>
+          <a:bodyPr/>
+          <a:lstStyle/>
+          <a:p>
+            <a:endParaRPr lang="en-IE"/>
+          </a:p>
+        </p:txBody>
+      </p:sp>
+    </p:spTree>
+    <p:extLst>
+      <p:ext uri="{BB962C8B-B14F-4D97-AF65-F5344CB8AC3E}">
+        <p14:creationId xmlns:p14="http://schemas.microsoft.com/office/powerpoint/2010/main" val="4009527835"/>
       </p:ext>
     </p:extLst>
   </p:cSld>
@@ -7346,6 +8116,711 @@
     <p:extLst>
       <p:ext uri="{BB962C8B-B14F-4D97-AF65-F5344CB8AC3E}">
         <p14:creationId xmlns:p14="http://schemas.microsoft.com/office/powerpoint/2010/main" val="3566926928"/>
+      </p:ext>
+    </p:extLst>
+  </p:cSld>
+  <p:clrMapOvr>
+    <a:masterClrMapping/>
+  </p:clrMapOvr>
+</p:sld>
+</file>
+
+<file path=ppt/slides/slide3.xml><?xml version="1.0" encoding="utf-8"?>
+<p:sld xmlns:a="http://schemas.openxmlformats.org/drawingml/2006/main" xmlns:r="http://schemas.openxmlformats.org/officeDocument/2006/relationships" xmlns:p="http://schemas.openxmlformats.org/presentationml/2006/main">
+  <p:cSld>
+    <p:spTree>
+      <p:nvGrpSpPr>
+        <p:cNvPr id="1" name=""/>
+        <p:cNvGrpSpPr/>
+        <p:nvPr/>
+      </p:nvGrpSpPr>
+      <p:grpSpPr>
+        <a:xfrm>
+          <a:off x="0" y="0"/>
+          <a:ext cx="0" cy="0"/>
+          <a:chOff x="0" y="0"/>
+          <a:chExt cx="0" cy="0"/>
+        </a:xfrm>
+      </p:grpSpPr>
+    </p:spTree>
+    <p:extLst>
+      <p:ext uri="{BB962C8B-B14F-4D97-AF65-F5344CB8AC3E}">
+        <p14:creationId xmlns:p14="http://schemas.microsoft.com/office/powerpoint/2010/main" val="2959931621"/>
+      </p:ext>
+    </p:extLst>
+  </p:cSld>
+  <p:clrMapOvr>
+    <a:masterClrMapping/>
+  </p:clrMapOvr>
+</p:sld>
+</file>
+
+<file path=ppt/slides/slide4.xml><?xml version="1.0" encoding="utf-8"?>
+<p:sld xmlns:a="http://schemas.openxmlformats.org/drawingml/2006/main" xmlns:r="http://schemas.openxmlformats.org/officeDocument/2006/relationships" xmlns:p="http://schemas.openxmlformats.org/presentationml/2006/main">
+  <p:cSld>
+    <p:spTree>
+      <p:nvGrpSpPr>
+        <p:cNvPr id="1" name=""/>
+        <p:cNvGrpSpPr/>
+        <p:nvPr/>
+      </p:nvGrpSpPr>
+      <p:grpSpPr>
+        <a:xfrm>
+          <a:off x="0" y="0"/>
+          <a:ext cx="0" cy="0"/>
+          <a:chOff x="0" y="0"/>
+          <a:chExt cx="0" cy="0"/>
+        </a:xfrm>
+      </p:grpSpPr>
+      <p:sp>
+        <p:nvSpPr>
+          <p:cNvPr id="2" name="Title 1">
+            <a:extLst>
+              <a:ext uri="{FF2B5EF4-FFF2-40B4-BE49-F238E27FC236}">
+                <a16:creationId xmlns:a16="http://schemas.microsoft.com/office/drawing/2014/main" id="{198350E6-2D6F-4CCE-8D7C-6E6BA5272CE4}"/>
+              </a:ext>
+            </a:extLst>
+          </p:cNvPr>
+          <p:cNvSpPr>
+            <a:spLocks noGrp="1"/>
+          </p:cNvSpPr>
+          <p:nvPr>
+            <p:ph type="title"/>
+          </p:nvPr>
+        </p:nvSpPr>
+        <p:spPr/>
+        <p:txBody>
+          <a:bodyPr/>
+          <a:lstStyle/>
+          <a:p>
+            <a:r>
+              <a:rPr lang="en-US" dirty="0"/>
+              <a:t>Reference 4</a:t>
+            </a:r>
+            <a:endParaRPr lang="en-IE" dirty="0"/>
+          </a:p>
+        </p:txBody>
+      </p:sp>
+      <p:sp>
+        <p:nvSpPr>
+          <p:cNvPr id="3" name="Content Placeholder 2">
+            <a:extLst>
+              <a:ext uri="{FF2B5EF4-FFF2-40B4-BE49-F238E27FC236}">
+                <a16:creationId xmlns:a16="http://schemas.microsoft.com/office/drawing/2014/main" id="{ECC99AF0-DE14-47A7-9DE6-6CD801CF019A}"/>
+              </a:ext>
+            </a:extLst>
+          </p:cNvPr>
+          <p:cNvSpPr>
+            <a:spLocks noGrp="1"/>
+          </p:cNvSpPr>
+          <p:nvPr>
+            <p:ph idx="1"/>
+          </p:nvPr>
+        </p:nvSpPr>
+        <p:spPr/>
+        <p:txBody>
+          <a:bodyPr/>
+          <a:lstStyle/>
+          <a:p>
+            <a:pPr marL="0" indent="0">
+              <a:buNone/>
+            </a:pPr>
+            <a:r>
+              <a:rPr lang="en-US" dirty="0"/>
+              <a:t>A </a:t>
+            </a:r>
+            <a:r>
+              <a:rPr lang="en-US" dirty="0" err="1"/>
+              <a:t>decentralised</a:t>
+            </a:r>
+            <a:r>
+              <a:rPr lang="en-US" dirty="0"/>
+              <a:t> stateless Q-learning approach was proposed in [4] to improve aggregate throughput in four coexistent wireless networks (WN). Each WN was considered to be an agent running the stateless Q-learning algorithm with agents having action space as channel number, and transmit power (dBm)</a:t>
+            </a:r>
+            <a:endParaRPr lang="en-IE" dirty="0"/>
+          </a:p>
+        </p:txBody>
+      </p:sp>
+    </p:spTree>
+    <p:extLst>
+      <p:ext uri="{BB962C8B-B14F-4D97-AF65-F5344CB8AC3E}">
+        <p14:creationId xmlns:p14="http://schemas.microsoft.com/office/powerpoint/2010/main" val="3581217008"/>
+      </p:ext>
+    </p:extLst>
+  </p:cSld>
+  <p:clrMapOvr>
+    <a:masterClrMapping/>
+  </p:clrMapOvr>
+</p:sld>
+</file>
+
+<file path=ppt/slides/slide5.xml><?xml version="1.0" encoding="utf-8"?>
+<p:sld xmlns:a="http://schemas.openxmlformats.org/drawingml/2006/main" xmlns:r="http://schemas.openxmlformats.org/officeDocument/2006/relationships" xmlns:p="http://schemas.openxmlformats.org/presentationml/2006/main">
+  <p:cSld>
+    <p:spTree>
+      <p:nvGrpSpPr>
+        <p:cNvPr id="1" name=""/>
+        <p:cNvGrpSpPr/>
+        <p:nvPr/>
+      </p:nvGrpSpPr>
+      <p:grpSpPr>
+        <a:xfrm>
+          <a:off x="0" y="0"/>
+          <a:ext cx="0" cy="0"/>
+          <a:chOff x="0" y="0"/>
+          <a:chExt cx="0" cy="0"/>
+        </a:xfrm>
+      </p:grpSpPr>
+      <p:sp>
+        <p:nvSpPr>
+          <p:cNvPr id="2" name="Title 1">
+            <a:extLst>
+              <a:ext uri="{FF2B5EF4-FFF2-40B4-BE49-F238E27FC236}">
+                <a16:creationId xmlns:a16="http://schemas.microsoft.com/office/drawing/2014/main" id="{387753F4-DC28-4C9D-8146-A0515FF4EE91}"/>
+              </a:ext>
+            </a:extLst>
+          </p:cNvPr>
+          <p:cNvSpPr>
+            <a:spLocks noGrp="1"/>
+          </p:cNvSpPr>
+          <p:nvPr>
+            <p:ph type="title"/>
+          </p:nvPr>
+        </p:nvSpPr>
+        <p:spPr/>
+        <p:txBody>
+          <a:bodyPr/>
+          <a:lstStyle/>
+          <a:p>
+            <a:r>
+              <a:rPr lang="en-US" dirty="0"/>
+              <a:t>Reference 4 (</a:t>
+            </a:r>
+            <a:r>
+              <a:rPr lang="en-US" dirty="0" err="1"/>
+              <a:t>contd</a:t>
+            </a:r>
+            <a:r>
+              <a:rPr lang="en-US" dirty="0"/>
+              <a:t>’)</a:t>
+            </a:r>
+            <a:endParaRPr lang="en-IE" dirty="0"/>
+          </a:p>
+        </p:txBody>
+      </p:sp>
+      <p:sp>
+        <p:nvSpPr>
+          <p:cNvPr id="3" name="Content Placeholder 2">
+            <a:extLst>
+              <a:ext uri="{FF2B5EF4-FFF2-40B4-BE49-F238E27FC236}">
+                <a16:creationId xmlns:a16="http://schemas.microsoft.com/office/drawing/2014/main" id="{EB06E882-7B07-4C72-B3CE-EF70166A8FF5}"/>
+              </a:ext>
+            </a:extLst>
+          </p:cNvPr>
+          <p:cNvSpPr>
+            <a:spLocks noGrp="1"/>
+          </p:cNvSpPr>
+          <p:nvPr>
+            <p:ph idx="1"/>
+          </p:nvPr>
+        </p:nvSpPr>
+        <p:spPr/>
+        <p:txBody>
+          <a:bodyPr>
+            <a:normAutofit/>
+          </a:bodyPr>
+          <a:lstStyle/>
+          <a:p>
+            <a:r>
+              <a:rPr lang="en-US" dirty="0"/>
+              <a:t>They considered each WN to be an agent</a:t>
+            </a:r>
+          </a:p>
+          <a:p>
+            <a:r>
+              <a:rPr lang="en-IE" dirty="0"/>
+              <a:t>Furthermore, the</a:t>
+            </a:r>
+            <a:r>
+              <a:rPr lang="en-US" dirty="0"/>
+              <a:t> networks can modify both their transmission power and the channel used solely based on the experienced throughput.</a:t>
+            </a:r>
+          </a:p>
+          <a:p>
+            <a:r>
+              <a:rPr lang="en-US" dirty="0"/>
+              <a:t>Action Space: </a:t>
+            </a:r>
+            <a:r>
+              <a:rPr lang="en-IE" dirty="0"/>
+              <a:t>Actions indexes range from 1 to 8 are mapped to {channel number, transmit power (dBm)}: {1,5}, {2,5}, {1,10}, {2,10}, {1,15}, {2,15},{1,20} and {2,20}, respectively.</a:t>
+            </a:r>
+          </a:p>
+          <a:p>
+            <a:r>
+              <a:rPr lang="en-US" dirty="0"/>
+              <a:t>State Space: No states defined.</a:t>
+            </a:r>
+          </a:p>
+          <a:p>
+            <a:r>
+              <a:rPr lang="en-US" dirty="0"/>
+              <a:t>Goal: To maximize: </a:t>
+            </a:r>
+            <a:r>
+              <a:rPr lang="en-US" dirty="0" err="1"/>
+              <a:t>i</a:t>
+            </a:r>
+            <a:r>
+              <a:rPr lang="en-US" dirty="0"/>
+              <a:t>) the aggregate throughput, and ii) the proportional fairness</a:t>
+            </a:r>
+          </a:p>
+          <a:p>
+            <a:endParaRPr lang="en-IE" dirty="0"/>
+          </a:p>
+        </p:txBody>
+      </p:sp>
+    </p:spTree>
+    <p:extLst>
+      <p:ext uri="{BB962C8B-B14F-4D97-AF65-F5344CB8AC3E}">
+        <p14:creationId xmlns:p14="http://schemas.microsoft.com/office/powerpoint/2010/main" val="650456041"/>
+      </p:ext>
+    </p:extLst>
+  </p:cSld>
+  <p:clrMapOvr>
+    <a:masterClrMapping/>
+  </p:clrMapOvr>
+</p:sld>
+</file>
+
+<file path=ppt/slides/slide6.xml><?xml version="1.0" encoding="utf-8"?>
+<p:sld xmlns:a="http://schemas.openxmlformats.org/drawingml/2006/main" xmlns:r="http://schemas.openxmlformats.org/officeDocument/2006/relationships" xmlns:p="http://schemas.openxmlformats.org/presentationml/2006/main">
+  <p:cSld>
+    <p:spTree>
+      <p:nvGrpSpPr>
+        <p:cNvPr id="1" name=""/>
+        <p:cNvGrpSpPr/>
+        <p:nvPr/>
+      </p:nvGrpSpPr>
+      <p:grpSpPr>
+        <a:xfrm>
+          <a:off x="0" y="0"/>
+          <a:ext cx="0" cy="0"/>
+          <a:chOff x="0" y="0"/>
+          <a:chExt cx="0" cy="0"/>
+        </a:xfrm>
+      </p:grpSpPr>
+      <p:pic>
+        <p:nvPicPr>
+          <p:cNvPr id="4" name="Picture 3">
+            <a:extLst>
+              <a:ext uri="{FF2B5EF4-FFF2-40B4-BE49-F238E27FC236}">
+                <a16:creationId xmlns:a16="http://schemas.microsoft.com/office/drawing/2014/main" id="{07FF617E-A2B4-4BD0-A1C0-37430A153E7C}"/>
+              </a:ext>
+            </a:extLst>
+          </p:cNvPr>
+          <p:cNvPicPr>
+            <a:picLocks noChangeAspect="1"/>
+          </p:cNvPicPr>
+          <p:nvPr/>
+        </p:nvPicPr>
+        <p:blipFill>
+          <a:blip r:embed="rId2"/>
+          <a:stretch>
+            <a:fillRect/>
+          </a:stretch>
+        </p:blipFill>
+        <p:spPr>
+          <a:xfrm>
+            <a:off x="300698" y="537882"/>
+            <a:ext cx="5508432" cy="4563192"/>
+          </a:xfrm>
+          <a:prstGeom prst="rect">
+            <a:avLst/>
+          </a:prstGeom>
+        </p:spPr>
+      </p:pic>
+      <p:pic>
+        <p:nvPicPr>
+          <p:cNvPr id="6" name="Picture 5">
+            <a:extLst>
+              <a:ext uri="{FF2B5EF4-FFF2-40B4-BE49-F238E27FC236}">
+                <a16:creationId xmlns:a16="http://schemas.microsoft.com/office/drawing/2014/main" id="{F5587C4D-637E-4E6A-892C-AC62614A45F1}"/>
+              </a:ext>
+            </a:extLst>
+          </p:cNvPr>
+          <p:cNvPicPr>
+            <a:picLocks noChangeAspect="1"/>
+          </p:cNvPicPr>
+          <p:nvPr/>
+        </p:nvPicPr>
+        <p:blipFill>
+          <a:blip r:embed="rId3"/>
+          <a:stretch>
+            <a:fillRect/>
+          </a:stretch>
+        </p:blipFill>
+        <p:spPr>
+          <a:xfrm>
+            <a:off x="5470528" y="681774"/>
+            <a:ext cx="6134915" cy="4526263"/>
+          </a:xfrm>
+          <a:prstGeom prst="rect">
+            <a:avLst/>
+          </a:prstGeom>
+        </p:spPr>
+      </p:pic>
+    </p:spTree>
+    <p:extLst>
+      <p:ext uri="{BB962C8B-B14F-4D97-AF65-F5344CB8AC3E}">
+        <p14:creationId xmlns:p14="http://schemas.microsoft.com/office/powerpoint/2010/main" val="2272918941"/>
+      </p:ext>
+    </p:extLst>
+  </p:cSld>
+  <p:clrMapOvr>
+    <a:masterClrMapping/>
+  </p:clrMapOvr>
+</p:sld>
+</file>
+
+<file path=ppt/slides/slide7.xml><?xml version="1.0" encoding="utf-8"?>
+<p:sld xmlns:a="http://schemas.openxmlformats.org/drawingml/2006/main" xmlns:r="http://schemas.openxmlformats.org/officeDocument/2006/relationships" xmlns:p="http://schemas.openxmlformats.org/presentationml/2006/main">
+  <p:cSld>
+    <p:spTree>
+      <p:nvGrpSpPr>
+        <p:cNvPr id="1" name=""/>
+        <p:cNvGrpSpPr/>
+        <p:nvPr/>
+      </p:nvGrpSpPr>
+      <p:grpSpPr>
+        <a:xfrm>
+          <a:off x="0" y="0"/>
+          <a:ext cx="0" cy="0"/>
+          <a:chOff x="0" y="0"/>
+          <a:chExt cx="0" cy="0"/>
+        </a:xfrm>
+      </p:grpSpPr>
+      <p:pic>
+        <p:nvPicPr>
+          <p:cNvPr id="4" name="Picture 3">
+            <a:extLst>
+              <a:ext uri="{FF2B5EF4-FFF2-40B4-BE49-F238E27FC236}">
+                <a16:creationId xmlns:a16="http://schemas.microsoft.com/office/drawing/2014/main" id="{AB21FFB0-B63C-4F4D-9BB5-2712E0168B42}"/>
+              </a:ext>
+            </a:extLst>
+          </p:cNvPr>
+          <p:cNvPicPr>
+            <a:picLocks noChangeAspect="1"/>
+          </p:cNvPicPr>
+          <p:nvPr/>
+        </p:nvPicPr>
+        <p:blipFill>
+          <a:blip r:embed="rId2"/>
+          <a:stretch>
+            <a:fillRect/>
+          </a:stretch>
+        </p:blipFill>
+        <p:spPr>
+          <a:xfrm>
+            <a:off x="523077" y="633068"/>
+            <a:ext cx="5850515" cy="5591863"/>
+          </a:xfrm>
+          <a:prstGeom prst="rect">
+            <a:avLst/>
+          </a:prstGeom>
+        </p:spPr>
+      </p:pic>
+      <p:pic>
+        <p:nvPicPr>
+          <p:cNvPr id="5" name="Picture 4">
+            <a:extLst>
+              <a:ext uri="{FF2B5EF4-FFF2-40B4-BE49-F238E27FC236}">
+                <a16:creationId xmlns:a16="http://schemas.microsoft.com/office/drawing/2014/main" id="{C7E5BEE4-5641-4095-835B-24E5D16B14E6}"/>
+              </a:ext>
+            </a:extLst>
+          </p:cNvPr>
+          <p:cNvPicPr>
+            <a:picLocks noChangeAspect="1"/>
+          </p:cNvPicPr>
+          <p:nvPr/>
+        </p:nvPicPr>
+        <p:blipFill>
+          <a:blip r:embed="rId3"/>
+          <a:stretch>
+            <a:fillRect/>
+          </a:stretch>
+        </p:blipFill>
+        <p:spPr>
+          <a:xfrm>
+            <a:off x="6269729" y="897101"/>
+            <a:ext cx="6094286" cy="5500526"/>
+          </a:xfrm>
+          <a:prstGeom prst="rect">
+            <a:avLst/>
+          </a:prstGeom>
+        </p:spPr>
+      </p:pic>
+    </p:spTree>
+    <p:extLst>
+      <p:ext uri="{BB962C8B-B14F-4D97-AF65-F5344CB8AC3E}">
+        <p14:creationId xmlns:p14="http://schemas.microsoft.com/office/powerpoint/2010/main" val="4158882752"/>
+      </p:ext>
+    </p:extLst>
+  </p:cSld>
+  <p:clrMapOvr>
+    <a:masterClrMapping/>
+  </p:clrMapOvr>
+</p:sld>
+</file>
+
+<file path=ppt/slides/slide8.xml><?xml version="1.0" encoding="utf-8"?>
+<p:sld xmlns:a="http://schemas.openxmlformats.org/drawingml/2006/main" xmlns:r="http://schemas.openxmlformats.org/officeDocument/2006/relationships" xmlns:p="http://schemas.openxmlformats.org/presentationml/2006/main">
+  <p:cSld>
+    <p:spTree>
+      <p:nvGrpSpPr>
+        <p:cNvPr id="1" name=""/>
+        <p:cNvGrpSpPr/>
+        <p:nvPr/>
+      </p:nvGrpSpPr>
+      <p:grpSpPr>
+        <a:xfrm>
+          <a:off x="0" y="0"/>
+          <a:ext cx="0" cy="0"/>
+          <a:chOff x="0" y="0"/>
+          <a:chExt cx="0" cy="0"/>
+        </a:xfrm>
+      </p:grpSpPr>
+      <p:sp>
+        <p:nvSpPr>
+          <p:cNvPr id="2" name="Title 1">
+            <a:extLst>
+              <a:ext uri="{FF2B5EF4-FFF2-40B4-BE49-F238E27FC236}">
+                <a16:creationId xmlns:a16="http://schemas.microsoft.com/office/drawing/2014/main" id="{5D1D7874-358D-41F0-AC0F-E091FA6879E0}"/>
+              </a:ext>
+            </a:extLst>
+          </p:cNvPr>
+          <p:cNvSpPr>
+            <a:spLocks noGrp="1"/>
+          </p:cNvSpPr>
+          <p:nvPr>
+            <p:ph type="title"/>
+          </p:nvPr>
+        </p:nvSpPr>
+        <p:spPr/>
+        <p:txBody>
+          <a:bodyPr/>
+          <a:lstStyle/>
+          <a:p>
+            <a:r>
+              <a:rPr lang="en-US" dirty="0"/>
+              <a:t>My thought on Ref 4</a:t>
+            </a:r>
+            <a:endParaRPr lang="en-IE" dirty="0"/>
+          </a:p>
+        </p:txBody>
+      </p:sp>
+      <p:sp>
+        <p:nvSpPr>
+          <p:cNvPr id="3" name="Content Placeholder 2">
+            <a:extLst>
+              <a:ext uri="{FF2B5EF4-FFF2-40B4-BE49-F238E27FC236}">
+                <a16:creationId xmlns:a16="http://schemas.microsoft.com/office/drawing/2014/main" id="{CF5EFE6C-7760-4444-A166-5B784C3A8616}"/>
+              </a:ext>
+            </a:extLst>
+          </p:cNvPr>
+          <p:cNvSpPr>
+            <a:spLocks noGrp="1"/>
+          </p:cNvSpPr>
+          <p:nvPr>
+            <p:ph idx="1"/>
+          </p:nvPr>
+        </p:nvSpPr>
+        <p:spPr/>
+        <p:txBody>
+          <a:bodyPr/>
+          <a:lstStyle/>
+          <a:p>
+            <a:r>
+              <a:rPr lang="en-US" dirty="0"/>
+              <a:t>The Stateless Q-learning approach is vague.</a:t>
+            </a:r>
+          </a:p>
+          <a:p>
+            <a:r>
+              <a:rPr lang="en-US" dirty="0"/>
+              <a:t>The metrics considered are also not identical to the proposed work.</a:t>
+            </a:r>
+          </a:p>
+          <a:p>
+            <a:r>
+              <a:rPr lang="en-US" dirty="0"/>
+              <a:t>Also, the problem definition is completely different.</a:t>
+            </a:r>
+          </a:p>
+          <a:p>
+            <a:endParaRPr lang="en-US" dirty="0"/>
+          </a:p>
+          <a:p>
+            <a:r>
+              <a:rPr lang="en-US" dirty="0"/>
+              <a:t>The paper was put in the state of art because it applies Q-learning to wireless networks and it attempts to improve throughput in each of the networks.</a:t>
+            </a:r>
+          </a:p>
+          <a:p>
+            <a:endParaRPr lang="en-IE" dirty="0"/>
+          </a:p>
+        </p:txBody>
+      </p:sp>
+    </p:spTree>
+    <p:extLst>
+      <p:ext uri="{BB962C8B-B14F-4D97-AF65-F5344CB8AC3E}">
+        <p14:creationId xmlns:p14="http://schemas.microsoft.com/office/powerpoint/2010/main" val="2785673023"/>
+      </p:ext>
+    </p:extLst>
+  </p:cSld>
+  <p:clrMapOvr>
+    <a:masterClrMapping/>
+  </p:clrMapOvr>
+</p:sld>
+</file>
+
+<file path=ppt/slides/slide9.xml><?xml version="1.0" encoding="utf-8"?>
+<p:sld xmlns:a="http://schemas.openxmlformats.org/drawingml/2006/main" xmlns:r="http://schemas.openxmlformats.org/officeDocument/2006/relationships" xmlns:p="http://schemas.openxmlformats.org/presentationml/2006/main">
+  <p:cSld>
+    <p:spTree>
+      <p:nvGrpSpPr>
+        <p:cNvPr id="1" name=""/>
+        <p:cNvGrpSpPr/>
+        <p:nvPr/>
+      </p:nvGrpSpPr>
+      <p:grpSpPr>
+        <a:xfrm>
+          <a:off x="0" y="0"/>
+          <a:ext cx="0" cy="0"/>
+          <a:chOff x="0" y="0"/>
+          <a:chExt cx="0" cy="0"/>
+        </a:xfrm>
+      </p:grpSpPr>
+      <p:sp>
+        <p:nvSpPr>
+          <p:cNvPr id="2" name="Title 1">
+            <a:extLst>
+              <a:ext uri="{FF2B5EF4-FFF2-40B4-BE49-F238E27FC236}">
+                <a16:creationId xmlns:a16="http://schemas.microsoft.com/office/drawing/2014/main" id="{D18ECFCA-B62A-44E9-B695-14A99E7AD50D}"/>
+              </a:ext>
+            </a:extLst>
+          </p:cNvPr>
+          <p:cNvSpPr>
+            <a:spLocks noGrp="1"/>
+          </p:cNvSpPr>
+          <p:nvPr>
+            <p:ph type="title"/>
+          </p:nvPr>
+        </p:nvSpPr>
+        <p:spPr/>
+        <p:txBody>
+          <a:bodyPr/>
+          <a:lstStyle/>
+          <a:p>
+            <a:r>
+              <a:rPr lang="en-US" dirty="0"/>
+              <a:t>Reference 7</a:t>
+            </a:r>
+            <a:endParaRPr lang="en-IE" dirty="0"/>
+          </a:p>
+        </p:txBody>
+      </p:sp>
+      <p:sp>
+        <p:nvSpPr>
+          <p:cNvPr id="3" name="Content Placeholder 2">
+            <a:extLst>
+              <a:ext uri="{FF2B5EF4-FFF2-40B4-BE49-F238E27FC236}">
+                <a16:creationId xmlns:a16="http://schemas.microsoft.com/office/drawing/2014/main" id="{94CDBE44-5E6A-4AEB-88FB-1D9A07D4F980}"/>
+              </a:ext>
+            </a:extLst>
+          </p:cNvPr>
+          <p:cNvSpPr>
+            <a:spLocks noGrp="1"/>
+          </p:cNvSpPr>
+          <p:nvPr>
+            <p:ph idx="1"/>
+          </p:nvPr>
+        </p:nvSpPr>
+        <p:spPr>
+          <a:xfrm>
+            <a:off x="838200" y="1825625"/>
+            <a:ext cx="10515600" cy="4667250"/>
+          </a:xfrm>
+        </p:spPr>
+        <p:txBody>
+          <a:bodyPr>
+            <a:normAutofit lnSpcReduction="10000"/>
+          </a:bodyPr>
+          <a:lstStyle/>
+          <a:p>
+            <a:r>
+              <a:rPr lang="en-US" dirty="0"/>
+              <a:t>A lightweight distributed learning approach was proposed in [7] to increase energy efficiency and reliability of IoT communications. There was significant performance improvement when the proposed algorithm was compared to a centralized optimized strategy. </a:t>
+            </a:r>
+          </a:p>
+          <a:p>
+            <a:endParaRPr lang="en-US" dirty="0"/>
+          </a:p>
+          <a:p>
+            <a:r>
+              <a:rPr lang="en-US" dirty="0"/>
+              <a:t>Transmit power, code (data rate), sub-channel, and number of transmitted </a:t>
+            </a:r>
+            <a:r>
+              <a:rPr lang="en-US" i="1" dirty="0">
+                <a:solidFill>
+                  <a:srgbClr val="FF0000"/>
+                </a:solidFill>
+              </a:rPr>
+              <a:t>replicas</a:t>
+            </a:r>
+            <a:r>
+              <a:rPr lang="en-US" dirty="0"/>
+              <a:t> per packet made up the action space.</a:t>
+            </a:r>
+          </a:p>
+          <a:p>
+            <a:endParaRPr lang="en-US" dirty="0"/>
+          </a:p>
+          <a:p>
+            <a:r>
+              <a:rPr lang="en-US" dirty="0"/>
+              <a:t>NB: In the NB-IoT and </a:t>
+            </a:r>
+            <a:r>
+              <a:rPr lang="en-US" dirty="0" err="1"/>
+              <a:t>SigFox</a:t>
+            </a:r>
+            <a:r>
+              <a:rPr lang="en-US" dirty="0"/>
+              <a:t>, several </a:t>
+            </a:r>
+            <a:r>
+              <a:rPr lang="en-US" i="1" dirty="0">
+                <a:solidFill>
+                  <a:srgbClr val="FF0000"/>
+                </a:solidFill>
+              </a:rPr>
+              <a:t>replicas</a:t>
+            </a:r>
+            <a:r>
+              <a:rPr lang="en-US" dirty="0"/>
+              <a:t> are transmitted per data packet for range extension and resilience against interference, respectively</a:t>
+            </a:r>
+            <a:endParaRPr lang="en-IE" dirty="0"/>
+          </a:p>
+        </p:txBody>
+      </p:sp>
+    </p:spTree>
+    <p:extLst>
+      <p:ext uri="{BB962C8B-B14F-4D97-AF65-F5344CB8AC3E}">
+        <p14:creationId xmlns:p14="http://schemas.microsoft.com/office/powerpoint/2010/main" val="3082601822"/>
       </p:ext>
     </p:extLst>
   </p:cSld>
